--- a/Lectures/Week 2 - Variables and Functions/Functions.pptx
+++ b/Lectures/Week 2 - Variables and Functions/Functions.pptx
@@ -2456,7 +2456,7 @@
           <a:p>
             <a:fld id="{1160EA64-D806-43AC-9DF2-F8C432F32B4C}" type="datetimeFigureOut">
               <a:rPr lang="en-US" smtClean="0"/>
-              <a:t>6/9/21</a:t>
+              <a:t>6/10/21</a:t>
             </a:fld>
             <a:endParaRPr lang="en-US" dirty="0"/>
           </a:p>
@@ -2628,7 +2628,7 @@
           <a:p>
             <a:fld id="{F070A7B3-6521-4DCA-87E5-044747A908C1}" type="datetimeFigureOut">
               <a:rPr lang="en-US" smtClean="0"/>
-              <a:t>6/9/21</a:t>
+              <a:t>6/10/21</a:t>
             </a:fld>
             <a:endParaRPr lang="en-US" dirty="0"/>
           </a:p>
@@ -2900,7 +2900,7 @@
           <a:p>
             <a:fld id="{1160EA64-D806-43AC-9DF2-F8C432F32B4C}" type="datetimeFigureOut">
               <a:rPr lang="en-US" smtClean="0"/>
-              <a:t>6/9/21</a:t>
+              <a:t>6/10/21</a:t>
             </a:fld>
             <a:endParaRPr lang="en-US" dirty="0"/>
           </a:p>
@@ -3134,7 +3134,7 @@
           <a:p>
             <a:fld id="{AB134690-1557-4C89-A502-4959FE7FAD70}" type="datetimeFigureOut">
               <a:rPr lang="en-US" smtClean="0"/>
-              <a:t>6/9/21</a:t>
+              <a:t>6/10/21</a:t>
             </a:fld>
             <a:endParaRPr lang="en-US" dirty="0"/>
           </a:p>
@@ -3494,7 +3494,7 @@
           <a:p>
             <a:fld id="{4F7D4976-E339-4826-83B7-FBD03F55ECF8}" type="datetimeFigureOut">
               <a:rPr lang="en-US" smtClean="0"/>
-              <a:t>6/9/21</a:t>
+              <a:t>6/10/21</a:t>
             </a:fld>
             <a:endParaRPr lang="en-US" dirty="0"/>
           </a:p>
@@ -3636,7 +3636,7 @@
           <a:p>
             <a:fld id="{E1037C31-9E7A-4F99-8774-A0E530DE1A42}" type="datetimeFigureOut">
               <a:rPr lang="en-US" smtClean="0"/>
-              <a:t>6/9/21</a:t>
+              <a:t>6/10/21</a:t>
             </a:fld>
             <a:endParaRPr lang="en-US" dirty="0"/>
           </a:p>
@@ -3734,7 +3734,7 @@
           <a:p>
             <a:fld id="{C278504F-A551-4DE0-9316-4DCD1D8CC752}" type="datetimeFigureOut">
               <a:rPr lang="en-US" smtClean="0"/>
-              <a:t>6/9/21</a:t>
+              <a:t>6/10/21</a:t>
             </a:fld>
             <a:endParaRPr lang="en-US" dirty="0"/>
           </a:p>
@@ -4092,7 +4092,7 @@
           <a:p>
             <a:fld id="{D1BE4249-C0D0-4B06-8692-E8BB871AF643}" type="datetimeFigureOut">
               <a:rPr lang="en-US" smtClean="0"/>
-              <a:t>6/9/21</a:t>
+              <a:t>6/10/21</a:t>
             </a:fld>
             <a:endParaRPr lang="en-US" dirty="0"/>
           </a:p>
@@ -4683,7 +4683,7 @@
           <a:p>
             <a:fld id="{042B0DB6-F5C7-45FB-8CF3-31B45F9C2DAC}" type="datetimeFigureOut">
               <a:rPr lang="en-US" smtClean="0"/>
-              <a:t>6/9/21</a:t>
+              <a:t>6/10/21</a:t>
             </a:fld>
             <a:endParaRPr lang="en-US" dirty="0"/>
           </a:p>
@@ -4869,7 +4869,7 @@
           <a:p>
             <a:fld id="{E9F9C37B-1D36-470B-8223-D6C91242EC14}" type="datetimeFigureOut">
               <a:rPr lang="en-US" smtClean="0"/>
-              <a:t>6/9/21</a:t>
+              <a:t>6/10/21</a:t>
             </a:fld>
             <a:endParaRPr lang="en-US" dirty="0"/>
           </a:p>
@@ -5050,7 +5050,7 @@
           <a:p>
             <a:fld id="{67C6F52A-A82B-47A2-A83A-8C4C91F2D59F}" type="datetimeFigureOut">
               <a:rPr lang="en-US" smtClean="0"/>
-              <a:t>6/9/21</a:t>
+              <a:t>6/10/21</a:t>
             </a:fld>
             <a:endParaRPr lang="en-US" dirty="0"/>
           </a:p>
@@ -9915,7 +9915,7 @@
           <a:p>
             <a:fld id="{1160EA64-D806-43AC-9DF2-F8C432F32B4C}" type="datetimeFigureOut">
               <a:rPr lang="en-US" dirty="0"/>
-              <a:t>6/9/21</a:t>
+              <a:t>6/10/21</a:t>
             </a:fld>
             <a:endParaRPr lang="en-US" dirty="0"/>
           </a:p>
@@ -11381,7 +11381,7 @@
             </a:r>
             <a:r>
               <a:rPr lang="en" dirty="0"/>
-              <a:t>- are parameters for the method</a:t>
+              <a:t>- are parameters for the function</a:t>
             </a:r>
           </a:p>
           <a:p>
@@ -11570,7 +11570,7 @@
             </a:r>
             <a:r>
               <a:rPr lang="en" dirty="0"/>
-              <a:t> - are parameters for the method</a:t>
+              <a:t> - are parameters for the function</a:t>
             </a:r>
             <a:endParaRPr dirty="0"/>
           </a:p>
@@ -11875,7 +11875,7 @@
             </a:pPr>
             <a:r>
               <a:rPr lang="en" sz="1500" dirty="0"/>
-              <a:t>The secret ninja trick for methods</a:t>
+              <a:t>The secret ninja trick for functions</a:t>
             </a:r>
             <a:endParaRPr sz="1500" dirty="0"/>
           </a:p>
@@ -12094,7 +12094,7 @@
             </a:pPr>
             <a:r>
               <a:rPr lang="en" dirty="0"/>
-              <a:t>void is how you say the method returns nothing</a:t>
+              <a:t>void is how you say the function returns nothing</a:t>
             </a:r>
             <a:br>
               <a:rPr lang="en" dirty="0"/>
@@ -12148,7 +12148,7 @@
             </a:pPr>
             <a:r>
               <a:rPr lang="en" dirty="0"/>
-              <a:t>Think of replacing the method name with the answer</a:t>
+              <a:t>Think of replacing the function name with the answer</a:t>
             </a:r>
             <a:endParaRPr dirty="0"/>
           </a:p>
@@ -12810,7 +12810,7 @@
             </a:pPr>
             <a:r>
               <a:rPr lang="en" dirty="0"/>
-              <a:t>Objects are blocks of information, with reusable code / methods</a:t>
+              <a:t>Objects are blocks of information, with reusable code / functions</a:t>
             </a:r>
             <a:endParaRPr dirty="0"/>
           </a:p>
@@ -12831,7 +12831,7 @@
             </a:r>
             <a:r>
               <a:rPr lang="en" dirty="0"/>
-              <a:t>: If you are cutting and pasting code - it should be a method</a:t>
+              <a:t>: If you are cutting and pasting code - it should be a function</a:t>
             </a:r>
             <a:endParaRPr dirty="0"/>
           </a:p>
